--- a/doc/ELF_Sketch.pptx
+++ b/doc/ELF_Sketch.pptx
@@ -5687,7 +5687,7 @@
         </p:nvCxnSpPr>
         <p:spPr>
           <a:xfrm rot="5400000" flipV="1">
-            <a:off x="8149645" y="1261220"/>
+            <a:off x="8149645" y="1177400"/>
             <a:ext cx="576000" cy="2844000"/>
           </a:xfrm>
           <a:prstGeom prst="bentConnector3">
@@ -5724,7 +5724,7 @@
         </p:nvCxnSpPr>
         <p:spPr>
           <a:xfrm rot="10800000" flipV="1">
-            <a:off x="9286185" y="2690820"/>
+            <a:off x="9293805" y="2690820"/>
             <a:ext cx="576000" cy="1584000"/>
           </a:xfrm>
           <a:prstGeom prst="bentConnector3">
@@ -6429,6 +6429,63 @@
               <a:t>⑤</a:t>
             </a:r>
             <a:endParaRPr lang="zh-CN" altLang="en-US"/>
+          </a:p>
+        </p:txBody>
+      </p:sp>
+      <p:sp>
+        <p:nvSpPr>
+          <p:cNvPr id="2" name="Rectangles 1"/>
+          <p:cNvSpPr/>
+          <p:nvPr/>
+        </p:nvSpPr>
+        <p:spPr>
+          <a:xfrm>
+            <a:off x="6757670" y="2103120"/>
+            <a:ext cx="555625" cy="211455"/>
+          </a:xfrm>
+          <a:prstGeom prst="rect">
+            <a:avLst/>
+          </a:prstGeom>
+          <a:solidFill>
+            <a:schemeClr val="bg1"/>
+          </a:solidFill>
+          <a:ln>
+            <a:solidFill>
+              <a:schemeClr val="tx1"/>
+            </a:solidFill>
+            <a:prstDash val="dash"/>
+          </a:ln>
+        </p:spPr>
+        <p:style>
+          <a:lnRef idx="2">
+            <a:schemeClr val="accent1">
+              <a:lumMod val="75000"/>
+            </a:schemeClr>
+          </a:lnRef>
+          <a:fillRef idx="1">
+            <a:schemeClr val="accent1"/>
+          </a:fillRef>
+          <a:effectRef idx="0">
+            <a:srgbClr val="FFFFFF"/>
+          </a:effectRef>
+          <a:fontRef idx="minor">
+            <a:schemeClr val="lt1"/>
+          </a:fontRef>
+        </p:style>
+        <p:txBody>
+          <a:bodyPr rtlCol="0" anchor="ctr"/>
+          <a:p>
+            <a:pPr algn="ctr"/>
+            <a:r>
+              <a:rPr lang="en-US" sz="800">
+                <a:solidFill>
+                  <a:schemeClr val="tx1"/>
+                </a:solidFill>
+                <a:sym typeface="+mn-ea"/>
+              </a:rPr>
+              <a:t>109</a:t>
+            </a:r>
+            <a:endParaRPr lang="en-US" sz="800"/>
           </a:p>
         </p:txBody>
       </p:sp>
